--- a/Presentation1.pptx
+++ b/Presentation1.pptx
@@ -105,6 +105,11 @@
       </a:defRPr>
     </a:lvl9pPr>
   </p:defaultTextStyle>
+  <p:extLst>
+    <p:ext uri="{EFAFB233-063F-42B5-8137-9DF3F51BA10A}">
+      <p15:sldGuideLst xmlns:p15="http://schemas.microsoft.com/office/powerpoint/2012/main"/>
+    </p:ext>
+  </p:extLst>
 </p:presentation>
 </file>
 
@@ -239,7 +244,7 @@
           <a:p>
             <a:fld id="{8A8F1137-93C3-4BC3-896E-542F32986046}" type="datetimeFigureOut">
               <a:rPr lang="en-US" smtClean="0"/>
-              <a:t>5/31/2023</a:t>
+              <a:t>6/6/2023</a:t>
             </a:fld>
             <a:endParaRPr lang="en-US"/>
           </a:p>
@@ -409,7 +414,7 @@
           <a:p>
             <a:fld id="{8A8F1137-93C3-4BC3-896E-542F32986046}" type="datetimeFigureOut">
               <a:rPr lang="en-US" smtClean="0"/>
-              <a:t>5/31/2023</a:t>
+              <a:t>6/6/2023</a:t>
             </a:fld>
             <a:endParaRPr lang="en-US"/>
           </a:p>
@@ -589,7 +594,7 @@
           <a:p>
             <a:fld id="{8A8F1137-93C3-4BC3-896E-542F32986046}" type="datetimeFigureOut">
               <a:rPr lang="en-US" smtClean="0"/>
-              <a:t>5/31/2023</a:t>
+              <a:t>6/6/2023</a:t>
             </a:fld>
             <a:endParaRPr lang="en-US"/>
           </a:p>
@@ -759,7 +764,7 @@
           <a:p>
             <a:fld id="{8A8F1137-93C3-4BC3-896E-542F32986046}" type="datetimeFigureOut">
               <a:rPr lang="en-US" smtClean="0"/>
-              <a:t>5/31/2023</a:t>
+              <a:t>6/6/2023</a:t>
             </a:fld>
             <a:endParaRPr lang="en-US"/>
           </a:p>
@@ -1005,7 +1010,7 @@
           <a:p>
             <a:fld id="{8A8F1137-93C3-4BC3-896E-542F32986046}" type="datetimeFigureOut">
               <a:rPr lang="en-US" smtClean="0"/>
-              <a:t>5/31/2023</a:t>
+              <a:t>6/6/2023</a:t>
             </a:fld>
             <a:endParaRPr lang="en-US"/>
           </a:p>
@@ -1237,7 +1242,7 @@
           <a:p>
             <a:fld id="{8A8F1137-93C3-4BC3-896E-542F32986046}" type="datetimeFigureOut">
               <a:rPr lang="en-US" smtClean="0"/>
-              <a:t>5/31/2023</a:t>
+              <a:t>6/6/2023</a:t>
             </a:fld>
             <a:endParaRPr lang="en-US"/>
           </a:p>
@@ -1604,7 +1609,7 @@
           <a:p>
             <a:fld id="{8A8F1137-93C3-4BC3-896E-542F32986046}" type="datetimeFigureOut">
               <a:rPr lang="en-US" smtClean="0"/>
-              <a:t>5/31/2023</a:t>
+              <a:t>6/6/2023</a:t>
             </a:fld>
             <a:endParaRPr lang="en-US"/>
           </a:p>
@@ -1722,7 +1727,7 @@
           <a:p>
             <a:fld id="{8A8F1137-93C3-4BC3-896E-542F32986046}" type="datetimeFigureOut">
               <a:rPr lang="en-US" smtClean="0"/>
-              <a:t>5/31/2023</a:t>
+              <a:t>6/6/2023</a:t>
             </a:fld>
             <a:endParaRPr lang="en-US"/>
           </a:p>
@@ -1817,7 +1822,7 @@
           <a:p>
             <a:fld id="{8A8F1137-93C3-4BC3-896E-542F32986046}" type="datetimeFigureOut">
               <a:rPr lang="en-US" smtClean="0"/>
-              <a:t>5/31/2023</a:t>
+              <a:t>6/6/2023</a:t>
             </a:fld>
             <a:endParaRPr lang="en-US"/>
           </a:p>
@@ -2094,7 +2099,7 @@
           <a:p>
             <a:fld id="{8A8F1137-93C3-4BC3-896E-542F32986046}" type="datetimeFigureOut">
               <a:rPr lang="en-US" smtClean="0"/>
-              <a:t>5/31/2023</a:t>
+              <a:t>6/6/2023</a:t>
             </a:fld>
             <a:endParaRPr lang="en-US"/>
           </a:p>
@@ -2347,7 +2352,7 @@
           <a:p>
             <a:fld id="{8A8F1137-93C3-4BC3-896E-542F32986046}" type="datetimeFigureOut">
               <a:rPr lang="en-US" smtClean="0"/>
-              <a:t>5/31/2023</a:t>
+              <a:t>6/6/2023</a:t>
             </a:fld>
             <a:endParaRPr lang="en-US"/>
           </a:p>
@@ -2560,7 +2565,7 @@
           <a:p>
             <a:fld id="{8A8F1137-93C3-4BC3-896E-542F32986046}" type="datetimeFigureOut">
               <a:rPr lang="en-US" smtClean="0"/>
-              <a:t>5/31/2023</a:t>
+              <a:t>6/6/2023</a:t>
             </a:fld>
             <a:endParaRPr lang="en-US"/>
           </a:p>
@@ -3075,6 +3080,797 @@
           </a:prstGeom>
         </p:spPr>
       </p:pic>
+      <p:sp>
+        <p:nvSpPr>
+          <p:cNvPr id="5" name="Rectangle 4"/>
+          <p:cNvSpPr/>
+          <p:nvPr/>
+        </p:nvSpPr>
+        <p:spPr>
+          <a:xfrm>
+            <a:off x="9642763" y="5902339"/>
+            <a:ext cx="2335877" cy="615142"/>
+          </a:xfrm>
+          <a:prstGeom prst="rect">
+            <a:avLst/>
+          </a:prstGeom>
+        </p:spPr>
+        <p:style>
+          <a:lnRef idx="2">
+            <a:schemeClr val="accent6">
+              <a:shade val="50000"/>
+            </a:schemeClr>
+          </a:lnRef>
+          <a:fillRef idx="1">
+            <a:schemeClr val="accent6"/>
+          </a:fillRef>
+          <a:effectRef idx="0">
+            <a:schemeClr val="accent6"/>
+          </a:effectRef>
+          <a:fontRef idx="minor">
+            <a:schemeClr val="lt1"/>
+          </a:fontRef>
+        </p:style>
+        <p:txBody>
+          <a:bodyPr rtlCol="0" anchor="ctr"/>
+          <a:lstStyle/>
+          <a:p>
+            <a:pPr algn="ctr"/>
+            <a:r>
+              <a:rPr lang="en-US" dirty="0" smtClean="0"/>
+              <a:t>PRODAT</a:t>
+            </a:r>
+            <a:endParaRPr lang="en-US" dirty="0"/>
+          </a:p>
+        </p:txBody>
+      </p:sp>
+      <p:sp>
+        <p:nvSpPr>
+          <p:cNvPr id="6" name="Rectangle 5"/>
+          <p:cNvSpPr/>
+          <p:nvPr/>
+        </p:nvSpPr>
+        <p:spPr>
+          <a:xfrm>
+            <a:off x="8631380" y="5922804"/>
+            <a:ext cx="922713" cy="594677"/>
+          </a:xfrm>
+          <a:prstGeom prst="rect">
+            <a:avLst/>
+          </a:prstGeom>
+          <a:solidFill>
+            <a:srgbClr val="FF0000"/>
+          </a:solidFill>
+        </p:spPr>
+        <p:style>
+          <a:lnRef idx="2">
+            <a:schemeClr val="accent6">
+              <a:shade val="50000"/>
+            </a:schemeClr>
+          </a:lnRef>
+          <a:fillRef idx="1">
+            <a:schemeClr val="accent6"/>
+          </a:fillRef>
+          <a:effectRef idx="0">
+            <a:schemeClr val="accent6"/>
+          </a:effectRef>
+          <a:fontRef idx="minor">
+            <a:schemeClr val="lt1"/>
+          </a:fontRef>
+        </p:style>
+        <p:txBody>
+          <a:bodyPr rtlCol="0" anchor="ctr"/>
+          <a:lstStyle/>
+          <a:p>
+            <a:pPr algn="ctr"/>
+            <a:r>
+              <a:rPr lang="en-US" dirty="0"/>
+              <a:t>X</a:t>
+            </a:r>
+          </a:p>
+        </p:txBody>
+      </p:sp>
+      <p:sp>
+        <p:nvSpPr>
+          <p:cNvPr id="7" name="Rounded Rectangle 6"/>
+          <p:cNvSpPr/>
+          <p:nvPr/>
+        </p:nvSpPr>
+        <p:spPr>
+          <a:xfrm>
+            <a:off x="8632765" y="817853"/>
+            <a:ext cx="997527" cy="872837"/>
+          </a:xfrm>
+          <a:prstGeom prst="roundRect">
+            <a:avLst/>
+          </a:prstGeom>
+        </p:spPr>
+        <p:style>
+          <a:lnRef idx="2">
+            <a:schemeClr val="accent1">
+              <a:shade val="50000"/>
+            </a:schemeClr>
+          </a:lnRef>
+          <a:fillRef idx="1">
+            <a:schemeClr val="accent1"/>
+          </a:fillRef>
+          <a:effectRef idx="0">
+            <a:schemeClr val="accent1"/>
+          </a:effectRef>
+          <a:fontRef idx="minor">
+            <a:schemeClr val="lt1"/>
+          </a:fontRef>
+        </p:style>
+        <p:txBody>
+          <a:bodyPr rtlCol="0" anchor="ctr"/>
+          <a:lstStyle/>
+          <a:p>
+            <a:pPr algn="ctr"/>
+            <a:r>
+              <a:rPr lang="en-US" dirty="0" smtClean="0"/>
+              <a:t>VEJCE 1KS</a:t>
+            </a:r>
+            <a:endParaRPr lang="en-US" dirty="0"/>
+          </a:p>
+        </p:txBody>
+      </p:sp>
+      <p:sp>
+        <p:nvSpPr>
+          <p:cNvPr id="8" name="Rounded Rectangle 7"/>
+          <p:cNvSpPr/>
+          <p:nvPr/>
+        </p:nvSpPr>
+        <p:spPr>
+          <a:xfrm>
+            <a:off x="9772996" y="817852"/>
+            <a:ext cx="997527" cy="872837"/>
+          </a:xfrm>
+          <a:prstGeom prst="roundRect">
+            <a:avLst/>
+          </a:prstGeom>
+        </p:spPr>
+        <p:style>
+          <a:lnRef idx="2">
+            <a:schemeClr val="accent1">
+              <a:shade val="50000"/>
+            </a:schemeClr>
+          </a:lnRef>
+          <a:fillRef idx="1">
+            <a:schemeClr val="accent1"/>
+          </a:fillRef>
+          <a:effectRef idx="0">
+            <a:schemeClr val="accent1"/>
+          </a:effectRef>
+          <a:fontRef idx="minor">
+            <a:schemeClr val="lt1"/>
+          </a:fontRef>
+        </p:style>
+        <p:txBody>
+          <a:bodyPr rtlCol="0" anchor="ctr"/>
+          <a:lstStyle/>
+          <a:p>
+            <a:pPr algn="ctr"/>
+            <a:r>
+              <a:rPr lang="en-US" dirty="0" smtClean="0"/>
+              <a:t>MED 0,5KG</a:t>
+            </a:r>
+            <a:endParaRPr lang="en-US" dirty="0"/>
+          </a:p>
+        </p:txBody>
+      </p:sp>
+      <p:sp>
+        <p:nvSpPr>
+          <p:cNvPr id="9" name="Rounded Rectangle 8"/>
+          <p:cNvSpPr/>
+          <p:nvPr/>
+        </p:nvSpPr>
+        <p:spPr>
+          <a:xfrm>
+            <a:off x="10904912" y="817851"/>
+            <a:ext cx="997527" cy="872837"/>
+          </a:xfrm>
+          <a:prstGeom prst="roundRect">
+            <a:avLst/>
+          </a:prstGeom>
+        </p:spPr>
+        <p:style>
+          <a:lnRef idx="2">
+            <a:schemeClr val="accent1">
+              <a:shade val="50000"/>
+            </a:schemeClr>
+          </a:lnRef>
+          <a:fillRef idx="1">
+            <a:schemeClr val="accent1"/>
+          </a:fillRef>
+          <a:effectRef idx="0">
+            <a:schemeClr val="accent1"/>
+          </a:effectRef>
+          <a:fontRef idx="minor">
+            <a:schemeClr val="lt1"/>
+          </a:fontRef>
+        </p:style>
+        <p:txBody>
+          <a:bodyPr rtlCol="0" anchor="ctr"/>
+          <a:lstStyle/>
+          <a:p>
+            <a:pPr algn="ctr"/>
+            <a:r>
+              <a:rPr lang="en-US" dirty="0" smtClean="0"/>
+              <a:t>MED 1KG</a:t>
+            </a:r>
+            <a:endParaRPr lang="en-US" dirty="0"/>
+          </a:p>
+        </p:txBody>
+      </p:sp>
+      <p:sp>
+        <p:nvSpPr>
+          <p:cNvPr id="10" name="Rounded Rectangle 9"/>
+          <p:cNvSpPr/>
+          <p:nvPr/>
+        </p:nvSpPr>
+        <p:spPr>
+          <a:xfrm>
+            <a:off x="8631380" y="1825626"/>
+            <a:ext cx="997527" cy="872837"/>
+          </a:xfrm>
+          <a:prstGeom prst="roundRect">
+            <a:avLst/>
+          </a:prstGeom>
+        </p:spPr>
+        <p:style>
+          <a:lnRef idx="2">
+            <a:schemeClr val="accent1">
+              <a:shade val="50000"/>
+            </a:schemeClr>
+          </a:lnRef>
+          <a:fillRef idx="1">
+            <a:schemeClr val="accent1"/>
+          </a:fillRef>
+          <a:effectRef idx="0">
+            <a:schemeClr val="accent1"/>
+          </a:effectRef>
+          <a:fontRef idx="minor">
+            <a:schemeClr val="lt1"/>
+          </a:fontRef>
+        </p:style>
+        <p:txBody>
+          <a:bodyPr rtlCol="0" anchor="ctr"/>
+          <a:lstStyle/>
+          <a:p>
+            <a:pPr algn="ctr"/>
+            <a:r>
+              <a:rPr lang="en-US" dirty="0"/>
+              <a:t>VEJCE </a:t>
+            </a:r>
+            <a:r>
+              <a:rPr lang="en-US" dirty="0" smtClean="0"/>
+              <a:t>PLATO 12</a:t>
+            </a:r>
+            <a:endParaRPr lang="en-US" dirty="0"/>
+          </a:p>
+        </p:txBody>
+      </p:sp>
+      <p:sp>
+        <p:nvSpPr>
+          <p:cNvPr id="11" name="Rounded Rectangle 10"/>
+          <p:cNvSpPr/>
+          <p:nvPr/>
+        </p:nvSpPr>
+        <p:spPr>
+          <a:xfrm>
+            <a:off x="9771611" y="1825625"/>
+            <a:ext cx="997527" cy="872837"/>
+          </a:xfrm>
+          <a:prstGeom prst="roundRect">
+            <a:avLst/>
+          </a:prstGeom>
+        </p:spPr>
+        <p:style>
+          <a:lnRef idx="2">
+            <a:schemeClr val="accent1">
+              <a:shade val="50000"/>
+            </a:schemeClr>
+          </a:lnRef>
+          <a:fillRef idx="1">
+            <a:schemeClr val="accent1"/>
+          </a:fillRef>
+          <a:effectRef idx="0">
+            <a:schemeClr val="accent1"/>
+          </a:effectRef>
+          <a:fontRef idx="minor">
+            <a:schemeClr val="lt1"/>
+          </a:fontRef>
+        </p:style>
+        <p:txBody>
+          <a:bodyPr rtlCol="0" anchor="ctr"/>
+          <a:lstStyle/>
+          <a:p>
+            <a:pPr algn="ctr"/>
+            <a:r>
+              <a:rPr lang="en-US" dirty="0" smtClean="0"/>
+              <a:t>OVCE KYTA</a:t>
+            </a:r>
+            <a:endParaRPr lang="en-US" dirty="0"/>
+          </a:p>
+        </p:txBody>
+      </p:sp>
+      <p:sp>
+        <p:nvSpPr>
+          <p:cNvPr id="12" name="Rounded Rectangle 11"/>
+          <p:cNvSpPr/>
+          <p:nvPr/>
+        </p:nvSpPr>
+        <p:spPr>
+          <a:xfrm>
+            <a:off x="10903527" y="1825624"/>
+            <a:ext cx="997527" cy="872837"/>
+          </a:xfrm>
+          <a:prstGeom prst="roundRect">
+            <a:avLst/>
+          </a:prstGeom>
+        </p:spPr>
+        <p:style>
+          <a:lnRef idx="2">
+            <a:schemeClr val="accent1">
+              <a:shade val="50000"/>
+            </a:schemeClr>
+          </a:lnRef>
+          <a:fillRef idx="1">
+            <a:schemeClr val="accent1"/>
+          </a:fillRef>
+          <a:effectRef idx="0">
+            <a:schemeClr val="accent1"/>
+          </a:effectRef>
+          <a:fontRef idx="minor">
+            <a:schemeClr val="lt1"/>
+          </a:fontRef>
+        </p:style>
+        <p:txBody>
+          <a:bodyPr rtlCol="0" anchor="ctr"/>
+          <a:lstStyle/>
+          <a:p>
+            <a:pPr algn="ctr"/>
+            <a:r>
+              <a:rPr lang="en-US" dirty="0" smtClean="0"/>
+              <a:t>KRALIK 1KG</a:t>
+            </a:r>
+            <a:endParaRPr lang="en-US" dirty="0"/>
+          </a:p>
+        </p:txBody>
+      </p:sp>
+      <p:sp>
+        <p:nvSpPr>
+          <p:cNvPr id="13" name="Rounded Rectangle 12"/>
+          <p:cNvSpPr/>
+          <p:nvPr/>
+        </p:nvSpPr>
+        <p:spPr>
+          <a:xfrm>
+            <a:off x="8631380" y="2856208"/>
+            <a:ext cx="997527" cy="872837"/>
+          </a:xfrm>
+          <a:prstGeom prst="roundRect">
+            <a:avLst/>
+          </a:prstGeom>
+        </p:spPr>
+        <p:style>
+          <a:lnRef idx="2">
+            <a:schemeClr val="accent1">
+              <a:shade val="50000"/>
+            </a:schemeClr>
+          </a:lnRef>
+          <a:fillRef idx="1">
+            <a:schemeClr val="accent1"/>
+          </a:fillRef>
+          <a:effectRef idx="0">
+            <a:schemeClr val="accent1"/>
+          </a:effectRef>
+          <a:fontRef idx="minor">
+            <a:schemeClr val="lt1"/>
+          </a:fontRef>
+        </p:style>
+        <p:txBody>
+          <a:bodyPr rtlCol="0" anchor="ctr"/>
+          <a:lstStyle/>
+          <a:p>
+            <a:pPr algn="ctr"/>
+            <a:r>
+              <a:rPr lang="en-US"/>
+              <a:t>VEJCE PLATO 6</a:t>
+            </a:r>
+            <a:endParaRPr lang="en-US" dirty="0"/>
+          </a:p>
+        </p:txBody>
+      </p:sp>
+      <p:sp>
+        <p:nvSpPr>
+          <p:cNvPr id="14" name="Rounded Rectangle 13"/>
+          <p:cNvSpPr/>
+          <p:nvPr/>
+        </p:nvSpPr>
+        <p:spPr>
+          <a:xfrm>
+            <a:off x="9771611" y="2856207"/>
+            <a:ext cx="997527" cy="872837"/>
+          </a:xfrm>
+          <a:prstGeom prst="roundRect">
+            <a:avLst/>
+          </a:prstGeom>
+        </p:spPr>
+        <p:style>
+          <a:lnRef idx="2">
+            <a:schemeClr val="accent1">
+              <a:shade val="50000"/>
+            </a:schemeClr>
+          </a:lnRef>
+          <a:fillRef idx="1">
+            <a:schemeClr val="accent1"/>
+          </a:fillRef>
+          <a:effectRef idx="0">
+            <a:schemeClr val="accent1"/>
+          </a:effectRef>
+          <a:fontRef idx="minor">
+            <a:schemeClr val="lt1"/>
+          </a:fontRef>
+        </p:style>
+        <p:txBody>
+          <a:bodyPr rtlCol="0" anchor="ctr"/>
+          <a:lstStyle/>
+          <a:p>
+            <a:pPr algn="ctr"/>
+            <a:endParaRPr lang="en-US"/>
+          </a:p>
+        </p:txBody>
+      </p:sp>
+      <p:sp>
+        <p:nvSpPr>
+          <p:cNvPr id="15" name="Rounded Rectangle 14"/>
+          <p:cNvSpPr/>
+          <p:nvPr/>
+        </p:nvSpPr>
+        <p:spPr>
+          <a:xfrm>
+            <a:off x="10903527" y="2856206"/>
+            <a:ext cx="997527" cy="872837"/>
+          </a:xfrm>
+          <a:prstGeom prst="roundRect">
+            <a:avLst/>
+          </a:prstGeom>
+        </p:spPr>
+        <p:style>
+          <a:lnRef idx="2">
+            <a:schemeClr val="accent1">
+              <a:shade val="50000"/>
+            </a:schemeClr>
+          </a:lnRef>
+          <a:fillRef idx="1">
+            <a:schemeClr val="accent1"/>
+          </a:fillRef>
+          <a:effectRef idx="0">
+            <a:schemeClr val="accent1"/>
+          </a:effectRef>
+          <a:fontRef idx="minor">
+            <a:schemeClr val="lt1"/>
+          </a:fontRef>
+        </p:style>
+        <p:txBody>
+          <a:bodyPr rtlCol="0" anchor="ctr"/>
+          <a:lstStyle/>
+          <a:p>
+            <a:pPr algn="ctr"/>
+            <a:endParaRPr lang="en-US"/>
+          </a:p>
+        </p:txBody>
+      </p:sp>
+      <p:sp>
+        <p:nvSpPr>
+          <p:cNvPr id="25" name="Rounded Rectangle 24"/>
+          <p:cNvSpPr/>
+          <p:nvPr/>
+        </p:nvSpPr>
+        <p:spPr>
+          <a:xfrm>
+            <a:off x="8630688" y="455067"/>
+            <a:ext cx="3347952" cy="189273"/>
+          </a:xfrm>
+          <a:prstGeom prst="roundRect">
+            <a:avLst/>
+          </a:prstGeom>
+        </p:spPr>
+        <p:style>
+          <a:lnRef idx="2">
+            <a:schemeClr val="accent1">
+              <a:shade val="50000"/>
+            </a:schemeClr>
+          </a:lnRef>
+          <a:fillRef idx="1">
+            <a:schemeClr val="accent1"/>
+          </a:fillRef>
+          <a:effectRef idx="0">
+            <a:schemeClr val="accent1"/>
+          </a:effectRef>
+          <a:fontRef idx="minor">
+            <a:schemeClr val="lt1"/>
+          </a:fontRef>
+        </p:style>
+        <p:txBody>
+          <a:bodyPr rtlCol="0" anchor="ctr"/>
+          <a:lstStyle/>
+          <a:p>
+            <a:pPr algn="ctr"/>
+            <a:r>
+              <a:rPr lang="en-US" dirty="0" smtClean="0"/>
+              <a:t>QUICK BAR</a:t>
+            </a:r>
+            <a:endParaRPr lang="en-US" dirty="0"/>
+          </a:p>
+        </p:txBody>
+      </p:sp>
+      <p:sp>
+        <p:nvSpPr>
+          <p:cNvPr id="26" name="Rounded Rectangle 25"/>
+          <p:cNvSpPr/>
+          <p:nvPr/>
+        </p:nvSpPr>
+        <p:spPr>
+          <a:xfrm>
+            <a:off x="8589122" y="4202573"/>
+            <a:ext cx="3347952" cy="189273"/>
+          </a:xfrm>
+          <a:prstGeom prst="roundRect">
+            <a:avLst/>
+          </a:prstGeom>
+        </p:spPr>
+        <p:style>
+          <a:lnRef idx="2">
+            <a:schemeClr val="accent1">
+              <a:shade val="50000"/>
+            </a:schemeClr>
+          </a:lnRef>
+          <a:fillRef idx="1">
+            <a:schemeClr val="accent1"/>
+          </a:fillRef>
+          <a:effectRef idx="0">
+            <a:schemeClr val="accent1"/>
+          </a:effectRef>
+          <a:fontRef idx="minor">
+            <a:schemeClr val="lt1"/>
+          </a:fontRef>
+        </p:style>
+        <p:txBody>
+          <a:bodyPr rtlCol="0" anchor="ctr"/>
+          <a:lstStyle/>
+          <a:p>
+            <a:pPr algn="ctr"/>
+            <a:r>
+              <a:rPr lang="en-US" dirty="0" smtClean="0"/>
+              <a:t>SEARCH</a:t>
+            </a:r>
+            <a:endParaRPr lang="en-US" dirty="0"/>
+          </a:p>
+        </p:txBody>
+      </p:sp>
+      <p:sp>
+        <p:nvSpPr>
+          <p:cNvPr id="27" name="Rounded Rectangle 26"/>
+          <p:cNvSpPr/>
+          <p:nvPr/>
+        </p:nvSpPr>
+        <p:spPr>
+          <a:xfrm>
+            <a:off x="8589122" y="4526781"/>
+            <a:ext cx="3311932" cy="427604"/>
+          </a:xfrm>
+          <a:prstGeom prst="roundRect">
+            <a:avLst/>
+          </a:prstGeom>
+        </p:spPr>
+        <p:style>
+          <a:lnRef idx="2">
+            <a:schemeClr val="dk1"/>
+          </a:lnRef>
+          <a:fillRef idx="1">
+            <a:schemeClr val="lt1"/>
+          </a:fillRef>
+          <a:effectRef idx="0">
+            <a:schemeClr val="dk1"/>
+          </a:effectRef>
+          <a:fontRef idx="minor">
+            <a:schemeClr val="dk1"/>
+          </a:fontRef>
+        </p:style>
+        <p:txBody>
+          <a:bodyPr rtlCol="0" anchor="ctr"/>
+          <a:lstStyle/>
+          <a:p>
+            <a:r>
+              <a:rPr lang="en-US" sz="1200" dirty="0" smtClean="0">
+                <a:solidFill>
+                  <a:schemeClr val="bg1">
+                    <a:lumMod val="50000"/>
+                  </a:schemeClr>
+                </a:solidFill>
+              </a:rPr>
+              <a:t>CLICK TO SEARCH …</a:t>
+            </a:r>
+            <a:endParaRPr lang="en-US" sz="1200" dirty="0">
+              <a:solidFill>
+                <a:schemeClr val="bg1">
+                  <a:lumMod val="50000"/>
+                </a:schemeClr>
+              </a:solidFill>
+            </a:endParaRPr>
+          </a:p>
+        </p:txBody>
+      </p:sp>
+      <p:sp>
+        <p:nvSpPr>
+          <p:cNvPr id="28" name="Isosceles Triangle 27"/>
+          <p:cNvSpPr/>
+          <p:nvPr/>
+        </p:nvSpPr>
+        <p:spPr>
+          <a:xfrm rot="10800000">
+            <a:off x="11402290" y="4598666"/>
+            <a:ext cx="426720" cy="277389"/>
+          </a:xfrm>
+          <a:prstGeom prst="triangle">
+            <a:avLst/>
+          </a:prstGeom>
+        </p:spPr>
+        <p:style>
+          <a:lnRef idx="2">
+            <a:schemeClr val="dk1">
+              <a:shade val="50000"/>
+            </a:schemeClr>
+          </a:lnRef>
+          <a:fillRef idx="1">
+            <a:schemeClr val="dk1"/>
+          </a:fillRef>
+          <a:effectRef idx="0">
+            <a:schemeClr val="dk1"/>
+          </a:effectRef>
+          <a:fontRef idx="minor">
+            <a:schemeClr val="lt1"/>
+          </a:fontRef>
+        </p:style>
+        <p:txBody>
+          <a:bodyPr rtlCol="0" anchor="ctr"/>
+          <a:lstStyle/>
+          <a:p>
+            <a:pPr algn="ctr"/>
+            <a:endParaRPr lang="en-US"/>
+          </a:p>
+        </p:txBody>
+      </p:sp>
+      <p:sp>
+        <p:nvSpPr>
+          <p:cNvPr id="29" name="Rectangle 28"/>
+          <p:cNvSpPr/>
+          <p:nvPr/>
+        </p:nvSpPr>
+        <p:spPr>
+          <a:xfrm>
+            <a:off x="8630688" y="4954385"/>
+            <a:ext cx="3270366" cy="723208"/>
+          </a:xfrm>
+          <a:prstGeom prst="rect">
+            <a:avLst/>
+          </a:prstGeom>
+        </p:spPr>
+        <p:style>
+          <a:lnRef idx="2">
+            <a:schemeClr val="dk1"/>
+          </a:lnRef>
+          <a:fillRef idx="1">
+            <a:schemeClr val="lt1"/>
+          </a:fillRef>
+          <a:effectRef idx="0">
+            <a:schemeClr val="dk1"/>
+          </a:effectRef>
+          <a:fontRef idx="minor">
+            <a:schemeClr val="dk1"/>
+          </a:fontRef>
+        </p:style>
+        <p:txBody>
+          <a:bodyPr rtlCol="0" anchor="ctr"/>
+          <a:lstStyle/>
+          <a:p>
+            <a:pPr algn="ctr"/>
+            <a:endParaRPr lang="en-US"/>
+          </a:p>
+        </p:txBody>
+      </p:sp>
+      <p:cxnSp>
+        <p:nvCxnSpPr>
+          <p:cNvPr id="31" name="Straight Connector 30"/>
+          <p:cNvCxnSpPr/>
+          <p:nvPr/>
+        </p:nvCxnSpPr>
+        <p:spPr>
+          <a:xfrm>
+            <a:off x="8828116" y="5089320"/>
+            <a:ext cx="2934393" cy="0"/>
+          </a:xfrm>
+          <a:prstGeom prst="line">
+            <a:avLst/>
+          </a:prstGeom>
+        </p:spPr>
+        <p:style>
+          <a:lnRef idx="1">
+            <a:schemeClr val="dk1"/>
+          </a:lnRef>
+          <a:fillRef idx="0">
+            <a:schemeClr val="dk1"/>
+          </a:fillRef>
+          <a:effectRef idx="0">
+            <a:schemeClr val="dk1"/>
+          </a:effectRef>
+          <a:fontRef idx="minor">
+            <a:schemeClr val="tx1"/>
+          </a:fontRef>
+        </p:style>
+      </p:cxnSp>
+      <p:cxnSp>
+        <p:nvCxnSpPr>
+          <p:cNvPr id="32" name="Straight Connector 31"/>
+          <p:cNvCxnSpPr/>
+          <p:nvPr/>
+        </p:nvCxnSpPr>
+        <p:spPr>
+          <a:xfrm>
+            <a:off x="8828116" y="5295753"/>
+            <a:ext cx="2934393" cy="0"/>
+          </a:xfrm>
+          <a:prstGeom prst="line">
+            <a:avLst/>
+          </a:prstGeom>
+        </p:spPr>
+        <p:style>
+          <a:lnRef idx="1">
+            <a:schemeClr val="dk1"/>
+          </a:lnRef>
+          <a:fillRef idx="0">
+            <a:schemeClr val="dk1"/>
+          </a:fillRef>
+          <a:effectRef idx="0">
+            <a:schemeClr val="dk1"/>
+          </a:effectRef>
+          <a:fontRef idx="minor">
+            <a:schemeClr val="tx1"/>
+          </a:fontRef>
+        </p:style>
+      </p:cxnSp>
+      <p:cxnSp>
+        <p:nvCxnSpPr>
+          <p:cNvPr id="33" name="Straight Connector 32"/>
+          <p:cNvCxnSpPr/>
+          <p:nvPr/>
+        </p:nvCxnSpPr>
+        <p:spPr>
+          <a:xfrm>
+            <a:off x="8795901" y="5474476"/>
+            <a:ext cx="2934393" cy="0"/>
+          </a:xfrm>
+          <a:prstGeom prst="line">
+            <a:avLst/>
+          </a:prstGeom>
+        </p:spPr>
+        <p:style>
+          <a:lnRef idx="1">
+            <a:schemeClr val="dk1"/>
+          </a:lnRef>
+          <a:fillRef idx="0">
+            <a:schemeClr val="dk1"/>
+          </a:fillRef>
+          <a:effectRef idx="0">
+            <a:schemeClr val="dk1"/>
+          </a:effectRef>
+          <a:fontRef idx="minor">
+            <a:schemeClr val="tx1"/>
+          </a:fontRef>
+        </p:style>
+      </p:cxnSp>
     </p:spTree>
     <p:extLst>
       <p:ext uri="{BB962C8B-B14F-4D97-AF65-F5344CB8AC3E}">
@@ -3997,11 +4793,6 @@
               </a:rPr>
               <a:t>*</a:t>
             </a:r>
-            <a:endParaRPr lang="en-US" dirty="0">
-              <a:solidFill>
-                <a:schemeClr val="tx1"/>
-              </a:solidFill>
-            </a:endParaRPr>
           </a:p>
         </p:txBody>
       </p:sp>
@@ -4052,11 +4843,6 @@
               </a:rPr>
               <a:t>*</a:t>
             </a:r>
-            <a:endParaRPr lang="en-US" dirty="0">
-              <a:solidFill>
-                <a:schemeClr val="tx1"/>
-              </a:solidFill>
-            </a:endParaRPr>
           </a:p>
         </p:txBody>
       </p:sp>
@@ -4107,11 +4893,6 @@
               </a:rPr>
               <a:t>*</a:t>
             </a:r>
-            <a:endParaRPr lang="en-US" dirty="0">
-              <a:solidFill>
-                <a:schemeClr val="tx1"/>
-              </a:solidFill>
-            </a:endParaRPr>
           </a:p>
         </p:txBody>
       </p:sp>
@@ -5401,11 +6182,6 @@
               </a:rPr>
               <a:t>*</a:t>
             </a:r>
-            <a:endParaRPr lang="en-US" dirty="0">
-              <a:solidFill>
-                <a:schemeClr val="tx1"/>
-              </a:solidFill>
-            </a:endParaRPr>
           </a:p>
         </p:txBody>
       </p:sp>
